--- a/Startup_Weekend_23_Sep_17/Gradient_Boosting.pptx
+++ b/Startup_Weekend_23_Sep_17/Gradient_Boosting.pptx
@@ -5235,8 +5235,8 @@
         </p:nvSpPr>
         <p:spPr>
           <a:xfrm>
-            <a:off x="613983" y="362427"/>
-            <a:ext cx="2839776" cy="630942"/>
+            <a:off x="770129" y="434703"/>
+            <a:ext cx="2839776" cy="477054"/>
           </a:xfrm>
           <a:prstGeom prst="rect">
             <a:avLst/>
@@ -5250,56 +5250,56 @@
           <a:lstStyle/>
           <a:p>
             <a:r>
-              <a:rPr lang="en-US" sz="3500" i="1" dirty="0" smtClean="0">
+              <a:rPr lang="en-US" sz="2500" i="1" dirty="0" smtClean="0">
                 <a:latin typeface="Times New Roman" panose="02020603050405020304" pitchFamily="18" charset="0"/>
                 <a:cs typeface="Times New Roman" panose="02020603050405020304" pitchFamily="18" charset="0"/>
               </a:rPr>
               <a:t>r</a:t>
             </a:r>
             <a:r>
-              <a:rPr lang="en-US" sz="3500" i="1" baseline="-25000" dirty="0" smtClean="0">
+              <a:rPr lang="en-US" sz="2500" i="1" baseline="-25000" dirty="0" smtClean="0">
                 <a:latin typeface="Times New Roman" panose="02020603050405020304" pitchFamily="18" charset="0"/>
                 <a:cs typeface="Times New Roman" panose="02020603050405020304" pitchFamily="18" charset="0"/>
               </a:rPr>
               <a:t>1 </a:t>
             </a:r>
             <a:r>
-              <a:rPr lang="en-US" sz="3500" i="1" dirty="0" smtClean="0">
+              <a:rPr lang="en-US" sz="2500" i="1" dirty="0" smtClean="0">
                 <a:latin typeface="Times New Roman" panose="02020603050405020304" pitchFamily="18" charset="0"/>
                 <a:cs typeface="Times New Roman" panose="02020603050405020304" pitchFamily="18" charset="0"/>
               </a:rPr>
               <a:t>=</a:t>
             </a:r>
             <a:r>
-              <a:rPr lang="en-US" sz="3500" i="1" baseline="30000" dirty="0" smtClean="0">
+              <a:rPr lang="en-US" sz="2500" i="1" baseline="30000" dirty="0" smtClean="0">
                 <a:latin typeface="Times New Roman" panose="02020603050405020304" pitchFamily="18" charset="0"/>
                 <a:cs typeface="Times New Roman" panose="02020603050405020304" pitchFamily="18" charset="0"/>
               </a:rPr>
               <a:t> </a:t>
             </a:r>
             <a:r>
-              <a:rPr lang="en-US" sz="3500" i="1" dirty="0" smtClean="0">
+              <a:rPr lang="en-US" sz="2500" i="1" dirty="0" smtClean="0">
                 <a:latin typeface="Times New Roman" panose="02020603050405020304" pitchFamily="18" charset="0"/>
                 <a:cs typeface="Times New Roman" panose="02020603050405020304" pitchFamily="18" charset="0"/>
               </a:rPr>
               <a:t>y</a:t>
             </a:r>
             <a:r>
-              <a:rPr lang="en-US" sz="3500" i="1" baseline="-25000" dirty="0" smtClean="0">
+              <a:rPr lang="en-US" sz="2500" i="1" baseline="-25000" dirty="0" smtClean="0">
                 <a:latin typeface="Times New Roman" panose="02020603050405020304" pitchFamily="18" charset="0"/>
                 <a:cs typeface="Times New Roman" panose="02020603050405020304" pitchFamily="18" charset="0"/>
               </a:rPr>
               <a:t>1</a:t>
             </a:r>
             <a:r>
-              <a:rPr lang="en-US" sz="3500" i="1" dirty="0" smtClean="0">
+              <a:rPr lang="en-US" sz="2500" i="1" dirty="0" smtClean="0">
                 <a:latin typeface="Times New Roman" panose="02020603050405020304" pitchFamily="18" charset="0"/>
                 <a:cs typeface="Times New Roman" panose="02020603050405020304" pitchFamily="18" charset="0"/>
               </a:rPr>
               <a:t> – </a:t>
             </a:r>
             <a:r>
-              <a:rPr lang="cy-GB" sz="3500" i="1" dirty="0" smtClean="0">
+              <a:rPr lang="cy-GB" sz="2500" i="1" dirty="0" smtClean="0">
                 <a:latin typeface="Times New Roman" panose="02020603050405020304" pitchFamily="18" charset="0"/>
                 <a:ea typeface="Arial Unicode MS" panose="020B0604020202020204" pitchFamily="34" charset="-128"/>
                 <a:cs typeface="Times New Roman" panose="02020603050405020304" pitchFamily="18" charset="0"/>
@@ -5307,14 +5307,14 @@
               <a:t>ŷ</a:t>
             </a:r>
             <a:r>
-              <a:rPr lang="cy-GB" sz="3500" i="1" baseline="-25000" dirty="0" smtClean="0">
+              <a:rPr lang="cy-GB" sz="2500" i="1" baseline="-25000" dirty="0" smtClean="0">
                 <a:latin typeface="Times New Roman" panose="02020603050405020304" pitchFamily="18" charset="0"/>
                 <a:ea typeface="Arial Unicode MS" panose="020B0604020202020204" pitchFamily="34" charset="-128"/>
                 <a:cs typeface="Times New Roman" panose="02020603050405020304" pitchFamily="18" charset="0"/>
               </a:rPr>
               <a:t>1</a:t>
             </a:r>
-            <a:endParaRPr lang="en-US" sz="3500" i="1" dirty="0">
+            <a:endParaRPr lang="en-US" sz="2500" i="1" dirty="0">
               <a:latin typeface="Times New Roman" panose="02020603050405020304" pitchFamily="18" charset="0"/>
               <a:ea typeface="Arial Unicode MS" panose="020B0604020202020204" pitchFamily="34" charset="-128"/>
               <a:cs typeface="Times New Roman" panose="02020603050405020304" pitchFamily="18" charset="0"/>
@@ -6460,8 +6460,8 @@
         </p:nvSpPr>
         <p:spPr>
           <a:xfrm>
-            <a:off x="3429167" y="368344"/>
-            <a:ext cx="2839776" cy="630942"/>
+            <a:off x="3628171" y="441106"/>
+            <a:ext cx="2839776" cy="477054"/>
           </a:xfrm>
           <a:prstGeom prst="rect">
             <a:avLst/>
@@ -6475,56 +6475,56 @@
           <a:lstStyle/>
           <a:p>
             <a:r>
-              <a:rPr lang="en-US" sz="3500" i="1" dirty="0" smtClean="0">
+              <a:rPr lang="en-US" sz="2500" i="1" dirty="0" smtClean="0">
                 <a:latin typeface="Times New Roman" panose="02020603050405020304" pitchFamily="18" charset="0"/>
                 <a:cs typeface="Times New Roman" panose="02020603050405020304" pitchFamily="18" charset="0"/>
               </a:rPr>
               <a:t>r</a:t>
             </a:r>
             <a:r>
-              <a:rPr lang="en-US" sz="3500" i="1" baseline="-25000" dirty="0" smtClean="0">
+              <a:rPr lang="en-US" sz="2500" i="1" baseline="-25000" dirty="0" smtClean="0">
                 <a:latin typeface="Times New Roman" panose="02020603050405020304" pitchFamily="18" charset="0"/>
                 <a:cs typeface="Times New Roman" panose="02020603050405020304" pitchFamily="18" charset="0"/>
               </a:rPr>
               <a:t>2 </a:t>
             </a:r>
             <a:r>
-              <a:rPr lang="en-US" sz="3500" i="1" dirty="0" smtClean="0">
+              <a:rPr lang="en-US" sz="2500" i="1" dirty="0" smtClean="0">
                 <a:latin typeface="Times New Roman" panose="02020603050405020304" pitchFamily="18" charset="0"/>
                 <a:cs typeface="Times New Roman" panose="02020603050405020304" pitchFamily="18" charset="0"/>
               </a:rPr>
               <a:t>=</a:t>
             </a:r>
             <a:r>
-              <a:rPr lang="en-US" sz="3500" i="1" baseline="30000" dirty="0" smtClean="0">
+              <a:rPr lang="en-US" sz="2500" i="1" baseline="30000" dirty="0" smtClean="0">
                 <a:latin typeface="Times New Roman" panose="02020603050405020304" pitchFamily="18" charset="0"/>
                 <a:cs typeface="Times New Roman" panose="02020603050405020304" pitchFamily="18" charset="0"/>
               </a:rPr>
               <a:t> </a:t>
             </a:r>
             <a:r>
-              <a:rPr lang="en-US" sz="3500" i="1" dirty="0" smtClean="0">
+              <a:rPr lang="en-US" sz="2500" i="1" dirty="0" smtClean="0">
                 <a:latin typeface="Times New Roman" panose="02020603050405020304" pitchFamily="18" charset="0"/>
                 <a:cs typeface="Times New Roman" panose="02020603050405020304" pitchFamily="18" charset="0"/>
               </a:rPr>
               <a:t>r</a:t>
             </a:r>
             <a:r>
-              <a:rPr lang="en-US" sz="3500" i="1" baseline="-25000" dirty="0" smtClean="0">
+              <a:rPr lang="en-US" sz="2500" i="1" baseline="-25000" dirty="0" smtClean="0">
                 <a:latin typeface="Times New Roman" panose="02020603050405020304" pitchFamily="18" charset="0"/>
                 <a:cs typeface="Times New Roman" panose="02020603050405020304" pitchFamily="18" charset="0"/>
               </a:rPr>
               <a:t>1</a:t>
             </a:r>
             <a:r>
-              <a:rPr lang="en-US" sz="3500" i="1" dirty="0" smtClean="0">
+              <a:rPr lang="en-US" sz="2500" i="1" dirty="0" smtClean="0">
                 <a:latin typeface="Times New Roman" panose="02020603050405020304" pitchFamily="18" charset="0"/>
                 <a:cs typeface="Times New Roman" panose="02020603050405020304" pitchFamily="18" charset="0"/>
               </a:rPr>
               <a:t> – r</a:t>
             </a:r>
             <a:r>
-              <a:rPr lang="cy-GB" sz="3500" i="1" dirty="0" smtClean="0">
+              <a:rPr lang="cy-GB" sz="2500" i="1" dirty="0" smtClean="0">
                 <a:latin typeface="Times New Roman" panose="02020603050405020304" pitchFamily="18" charset="0"/>
                 <a:ea typeface="Arial Unicode MS" panose="020B0604020202020204" pitchFamily="34" charset="-128"/>
                 <a:cs typeface="Times New Roman" panose="02020603050405020304" pitchFamily="18" charset="0"/>
@@ -6532,14 +6532,14 @@
               <a:t>̂</a:t>
             </a:r>
             <a:r>
-              <a:rPr lang="cy-GB" sz="3500" i="1" baseline="-25000" dirty="0" smtClean="0">
+              <a:rPr lang="cy-GB" sz="2500" i="1" baseline="-25000" dirty="0" smtClean="0">
                 <a:latin typeface="Times New Roman" panose="02020603050405020304" pitchFamily="18" charset="0"/>
                 <a:ea typeface="Arial Unicode MS" panose="020B0604020202020204" pitchFamily="34" charset="-128"/>
                 <a:cs typeface="Times New Roman" panose="02020603050405020304" pitchFamily="18" charset="0"/>
               </a:rPr>
               <a:t>1</a:t>
             </a:r>
-            <a:endParaRPr lang="en-US" sz="3500" i="1" dirty="0">
+            <a:endParaRPr lang="en-US" sz="2500" i="1" dirty="0">
               <a:latin typeface="Times New Roman" panose="02020603050405020304" pitchFamily="18" charset="0"/>
               <a:ea typeface="Arial Unicode MS" panose="020B0604020202020204" pitchFamily="34" charset="-128"/>
               <a:cs typeface="Times New Roman" panose="02020603050405020304" pitchFamily="18" charset="0"/>
@@ -7469,8 +7469,8 @@
         </p:nvSpPr>
         <p:spPr>
           <a:xfrm>
-            <a:off x="6118267" y="349647"/>
-            <a:ext cx="2839776" cy="630942"/>
+            <a:off x="6322520" y="454223"/>
+            <a:ext cx="2839776" cy="477054"/>
           </a:xfrm>
           <a:prstGeom prst="rect">
             <a:avLst/>
@@ -7484,56 +7484,56 @@
           <a:lstStyle/>
           <a:p>
             <a:r>
-              <a:rPr lang="en-US" sz="3500" i="1" dirty="0" smtClean="0">
+              <a:rPr lang="en-US" sz="2500" i="1" dirty="0" smtClean="0">
                 <a:latin typeface="Times New Roman" panose="02020603050405020304" pitchFamily="18" charset="0"/>
                 <a:cs typeface="Times New Roman" panose="02020603050405020304" pitchFamily="18" charset="0"/>
               </a:rPr>
               <a:t>r</a:t>
             </a:r>
             <a:r>
-              <a:rPr lang="en-US" sz="3500" i="1" baseline="-25000" dirty="0" smtClean="0">
+              <a:rPr lang="en-US" sz="2500" i="1" baseline="-25000" dirty="0" smtClean="0">
                 <a:latin typeface="Times New Roman" panose="02020603050405020304" pitchFamily="18" charset="0"/>
                 <a:cs typeface="Times New Roman" panose="02020603050405020304" pitchFamily="18" charset="0"/>
               </a:rPr>
               <a:t>3 </a:t>
             </a:r>
             <a:r>
-              <a:rPr lang="en-US" sz="3500" i="1" dirty="0" smtClean="0">
+              <a:rPr lang="en-US" sz="2500" i="1" dirty="0" smtClean="0">
                 <a:latin typeface="Times New Roman" panose="02020603050405020304" pitchFamily="18" charset="0"/>
                 <a:cs typeface="Times New Roman" panose="02020603050405020304" pitchFamily="18" charset="0"/>
               </a:rPr>
               <a:t>=</a:t>
             </a:r>
             <a:r>
-              <a:rPr lang="en-US" sz="3500" i="1" baseline="30000" dirty="0" smtClean="0">
+              <a:rPr lang="en-US" sz="2500" i="1" baseline="30000" dirty="0" smtClean="0">
                 <a:latin typeface="Times New Roman" panose="02020603050405020304" pitchFamily="18" charset="0"/>
                 <a:cs typeface="Times New Roman" panose="02020603050405020304" pitchFamily="18" charset="0"/>
               </a:rPr>
               <a:t> </a:t>
             </a:r>
             <a:r>
-              <a:rPr lang="en-US" sz="3500" i="1" dirty="0" smtClean="0">
+              <a:rPr lang="en-US" sz="2500" i="1" dirty="0" smtClean="0">
                 <a:latin typeface="Times New Roman" panose="02020603050405020304" pitchFamily="18" charset="0"/>
                 <a:cs typeface="Times New Roman" panose="02020603050405020304" pitchFamily="18" charset="0"/>
               </a:rPr>
               <a:t>r</a:t>
             </a:r>
             <a:r>
-              <a:rPr lang="en-US" sz="3500" i="1" baseline="-25000" dirty="0" smtClean="0">
+              <a:rPr lang="en-US" sz="2500" i="1" baseline="-25000" dirty="0" smtClean="0">
                 <a:latin typeface="Times New Roman" panose="02020603050405020304" pitchFamily="18" charset="0"/>
                 <a:cs typeface="Times New Roman" panose="02020603050405020304" pitchFamily="18" charset="0"/>
               </a:rPr>
               <a:t>2</a:t>
             </a:r>
             <a:r>
-              <a:rPr lang="en-US" sz="3500" i="1" dirty="0" smtClean="0">
+              <a:rPr lang="en-US" sz="2500" i="1" dirty="0" smtClean="0">
                 <a:latin typeface="Times New Roman" panose="02020603050405020304" pitchFamily="18" charset="0"/>
                 <a:cs typeface="Times New Roman" panose="02020603050405020304" pitchFamily="18" charset="0"/>
               </a:rPr>
               <a:t> – r</a:t>
             </a:r>
             <a:r>
-              <a:rPr lang="cy-GB" sz="3500" i="1" dirty="0" smtClean="0">
+              <a:rPr lang="cy-GB" sz="2500" i="1" dirty="0" smtClean="0">
                 <a:latin typeface="Times New Roman" panose="02020603050405020304" pitchFamily="18" charset="0"/>
                 <a:ea typeface="Arial Unicode MS" panose="020B0604020202020204" pitchFamily="34" charset="-128"/>
                 <a:cs typeface="Times New Roman" panose="02020603050405020304" pitchFamily="18" charset="0"/>
@@ -7541,14 +7541,14 @@
               <a:t>̂</a:t>
             </a:r>
             <a:r>
-              <a:rPr lang="cy-GB" sz="3500" i="1" baseline="-25000" dirty="0" smtClean="0">
+              <a:rPr lang="cy-GB" sz="2500" i="1" baseline="-25000" dirty="0" smtClean="0">
                 <a:latin typeface="Times New Roman" panose="02020603050405020304" pitchFamily="18" charset="0"/>
                 <a:ea typeface="Arial Unicode MS" panose="020B0604020202020204" pitchFamily="34" charset="-128"/>
                 <a:cs typeface="Times New Roman" panose="02020603050405020304" pitchFamily="18" charset="0"/>
               </a:rPr>
               <a:t>2</a:t>
             </a:r>
-            <a:endParaRPr lang="en-US" sz="3500" i="1" dirty="0">
+            <a:endParaRPr lang="en-US" sz="2500" i="1" dirty="0">
               <a:latin typeface="Times New Roman" panose="02020603050405020304" pitchFamily="18" charset="0"/>
               <a:ea typeface="Arial Unicode MS" panose="020B0604020202020204" pitchFamily="34" charset="-128"/>
               <a:cs typeface="Times New Roman" panose="02020603050405020304" pitchFamily="18" charset="0"/>
@@ -7564,8 +7564,8 @@
         </p:nvSpPr>
         <p:spPr>
           <a:xfrm>
-            <a:off x="9862478" y="375068"/>
-            <a:ext cx="2839776" cy="630942"/>
+            <a:off x="9983406" y="456235"/>
+            <a:ext cx="2839776" cy="477054"/>
           </a:xfrm>
           <a:prstGeom prst="rect">
             <a:avLst/>
@@ -7579,63 +7579,70 @@
           <a:lstStyle/>
           <a:p>
             <a:r>
-              <a:rPr lang="en-US" sz="3500" i="1" dirty="0" err="1" smtClean="0">
+              <a:rPr lang="en-US" sz="2500" i="1" dirty="0" err="1" smtClean="0">
                 <a:latin typeface="Times New Roman" panose="02020603050405020304" pitchFamily="18" charset="0"/>
                 <a:cs typeface="Times New Roman" panose="02020603050405020304" pitchFamily="18" charset="0"/>
               </a:rPr>
               <a:t>r</a:t>
             </a:r>
             <a:r>
-              <a:rPr lang="en-US" sz="3500" i="1" baseline="-25000" dirty="0" err="1" smtClean="0">
+              <a:rPr lang="en-US" sz="2500" i="1" baseline="-25000" dirty="0" err="1" smtClean="0">
                 <a:latin typeface="Times New Roman" panose="02020603050405020304" pitchFamily="18" charset="0"/>
                 <a:cs typeface="Times New Roman" panose="02020603050405020304" pitchFamily="18" charset="0"/>
               </a:rPr>
               <a:t>N</a:t>
             </a:r>
             <a:r>
-              <a:rPr lang="en-US" sz="3500" i="1" baseline="-25000" dirty="0" smtClean="0">
+              <a:rPr lang="en-US" sz="2500" i="1" baseline="-25000" dirty="0" smtClean="0">
                 <a:latin typeface="Times New Roman" panose="02020603050405020304" pitchFamily="18" charset="0"/>
                 <a:cs typeface="Times New Roman" panose="02020603050405020304" pitchFamily="18" charset="0"/>
               </a:rPr>
               <a:t> </a:t>
             </a:r>
             <a:r>
-              <a:rPr lang="en-US" sz="3500" i="1" dirty="0" smtClean="0">
+              <a:rPr lang="en-US" sz="2500" i="1" dirty="0" smtClean="0">
                 <a:latin typeface="Times New Roman" panose="02020603050405020304" pitchFamily="18" charset="0"/>
                 <a:cs typeface="Times New Roman" panose="02020603050405020304" pitchFamily="18" charset="0"/>
               </a:rPr>
               <a:t>=</a:t>
             </a:r>
             <a:r>
-              <a:rPr lang="en-US" sz="3500" i="1" baseline="30000" dirty="0" smtClean="0">
+              <a:rPr lang="en-US" sz="2500" i="1" baseline="30000" dirty="0" smtClean="0">
                 <a:latin typeface="Times New Roman" panose="02020603050405020304" pitchFamily="18" charset="0"/>
                 <a:cs typeface="Times New Roman" panose="02020603050405020304" pitchFamily="18" charset="0"/>
               </a:rPr>
               <a:t> </a:t>
             </a:r>
             <a:r>
-              <a:rPr lang="en-US" sz="3500" i="1" dirty="0" err="1" smtClean="0">
+              <a:rPr lang="en-US" sz="2500" i="1" dirty="0" smtClean="0">
                 <a:latin typeface="Times New Roman" panose="02020603050405020304" pitchFamily="18" charset="0"/>
                 <a:cs typeface="Times New Roman" panose="02020603050405020304" pitchFamily="18" charset="0"/>
               </a:rPr>
               <a:t>r</a:t>
             </a:r>
             <a:r>
-              <a:rPr lang="en-US" sz="3500" i="1" baseline="-25000" dirty="0" err="1" smtClean="0">
+              <a:rPr lang="en-US" sz="2500" i="1" baseline="-25000" dirty="0" smtClean="0">
                 <a:latin typeface="Times New Roman" panose="02020603050405020304" pitchFamily="18" charset="0"/>
                 <a:cs typeface="Times New Roman" panose="02020603050405020304" pitchFamily="18" charset="0"/>
               </a:rPr>
-              <a:t>N</a:t>
-            </a:r>
-            <a:r>
-              <a:rPr lang="en-US" sz="3500" i="1" dirty="0" smtClean="0">
+              <a:t>N-1</a:t>
+            </a:r>
+            <a:r>
+              <a:rPr lang="en-US" sz="2500" i="1" dirty="0" smtClean="0">
                 <a:latin typeface="Times New Roman" panose="02020603050405020304" pitchFamily="18" charset="0"/>
                 <a:cs typeface="Times New Roman" panose="02020603050405020304" pitchFamily="18" charset="0"/>
               </a:rPr>
-              <a:t> – r</a:t>
-            </a:r>
-            <a:r>
-              <a:rPr lang="cy-GB" sz="3500" i="1" dirty="0" smtClean="0">
+              <a:t> </a:t>
+            </a:r>
+            <a:r>
+              <a:rPr lang="en-US" sz="2500" i="1" dirty="0" smtClean="0">
+                <a:latin typeface="Times New Roman" panose="02020603050405020304" pitchFamily="18" charset="0"/>
+                <a:cs typeface="Times New Roman" panose="02020603050405020304" pitchFamily="18" charset="0"/>
+              </a:rPr>
+              <a:t>– r</a:t>
+            </a:r>
+            <a:r>
+              <a:rPr lang="cy-GB" sz="2500" i="1" dirty="0" smtClean="0">
                 <a:latin typeface="Times New Roman" panose="02020603050405020304" pitchFamily="18" charset="0"/>
                 <a:ea typeface="Arial Unicode MS" panose="020B0604020202020204" pitchFamily="34" charset="-128"/>
                 <a:cs typeface="Times New Roman" panose="02020603050405020304" pitchFamily="18" charset="0"/>
@@ -7643,14 +7650,14 @@
               <a:t>̂</a:t>
             </a:r>
             <a:r>
-              <a:rPr lang="cy-GB" sz="3500" i="1" baseline="-25000" dirty="0" smtClean="0">
+              <a:rPr lang="cy-GB" sz="2500" i="1" baseline="-25000" dirty="0" smtClean="0">
                 <a:latin typeface="Times New Roman" panose="02020603050405020304" pitchFamily="18" charset="0"/>
                 <a:ea typeface="Arial Unicode MS" panose="020B0604020202020204" pitchFamily="34" charset="-128"/>
                 <a:cs typeface="Times New Roman" panose="02020603050405020304" pitchFamily="18" charset="0"/>
               </a:rPr>
-              <a:t>N</a:t>
-            </a:r>
-            <a:endParaRPr lang="en-US" sz="3500" i="1" dirty="0">
+              <a:t>N-1</a:t>
+            </a:r>
+            <a:endParaRPr lang="en-US" sz="2500" i="1" dirty="0">
               <a:latin typeface="Times New Roman" panose="02020603050405020304" pitchFamily="18" charset="0"/>
               <a:ea typeface="Arial Unicode MS" panose="020B0604020202020204" pitchFamily="34" charset="-128"/>
               <a:cs typeface="Times New Roman" panose="02020603050405020304" pitchFamily="18" charset="0"/>
